--- a/深度学习课程作业-姚昕智.pptx
+++ b/深度学习课程作业-姚昕智.pptx
@@ -3542,7 +3542,7 @@
         <p:spPr>
           <a:xfrm>
             <a:off x="347980" y="1348740"/>
-            <a:ext cx="4150360" cy="4399915"/>
+            <a:ext cx="4150360" cy="4954270"/>
           </a:xfrm>
           <a:prstGeom prst="rect">
             <a:avLst/>
@@ -3558,9 +3558,6 @@
               <a:rPr lang="zh-CN" altLang="en-US" sz="2800"/>
               <a:t>数据集</a:t>
             </a:r>
-            <a:endParaRPr lang="zh-CN" altLang="en-US" sz="2800"/>
-          </a:p>
-          <a:p>
             <a:endParaRPr lang="zh-CN" altLang="en-US"/>
           </a:p>
           <a:p>
@@ -3608,12 +3605,30 @@
               <a:rPr lang="en-US" altLang="zh-CN"/>
               <a:t>DESC, ABBR, ENTY</a:t>
             </a:r>
-            <a:endParaRPr lang="zh-CN" altLang="en-US"/>
-          </a:p>
-          <a:p>
-            <a:pPr lvl="0" indent="0">
+            <a:endParaRPr lang="en-US" altLang="zh-CN"/>
+          </a:p>
+          <a:p>
+            <a:pPr marL="742950" lvl="1" indent="-285750">
               <a:buFont typeface="Arial" panose="020B0604020202020204" pitchFamily="34" charset="0"/>
-              <a:buNone/>
+              <a:buChar char="•"/>
+            </a:pPr>
+            <a:r>
+              <a:rPr lang="en-US" altLang="zh-CN"/>
+              <a:t>Training set  5,450</a:t>
+            </a:r>
+            <a:br>
+              <a:rPr lang="en-US" altLang="zh-CN"/>
+            </a:br>
+            <a:r>
+              <a:rPr lang="en-US" altLang="zh-CN"/>
+              <a:t>Validation set 500</a:t>
+            </a:r>
+            <a:endParaRPr lang="en-US" altLang="zh-CN"/>
+          </a:p>
+          <a:p>
+            <a:pPr marL="742950" lvl="1" indent="-285750">
+              <a:buFont typeface="Arial" panose="020B0604020202020204" pitchFamily="34" charset="0"/>
+              <a:buChar char="•"/>
             </a:pPr>
             <a:endParaRPr lang="zh-CN" altLang="en-US"/>
           </a:p>
@@ -3622,16 +3637,9 @@
               <a:buFont typeface="Arial" panose="020B0604020202020204" pitchFamily="34" charset="0"/>
               <a:buChar char="•"/>
             </a:pPr>
-            <a:endParaRPr lang="zh-CN" altLang="en-US"/>
-          </a:p>
-          <a:p>
-            <a:pPr marL="285750" lvl="0" indent="-285750">
-              <a:buFont typeface="Arial" panose="020B0604020202020204" pitchFamily="34" charset="0"/>
-              <a:buChar char="•"/>
-            </a:pPr>
             <a:r>
               <a:rPr lang="zh-CN" altLang="en-US"/>
-              <a:t>长文本数据集：</a:t>
+              <a:t>长文本数据集</a:t>
             </a:r>
             <a:r>
               <a:rPr lang="zh-CN" altLang="en-US" sz="1600"/>
@@ -3668,7 +3676,7 @@
             </a:br>
             <a:r>
               <a:rPr lang="en-US" altLang="zh-CN"/>
-              <a:t>Sci/Tech, Sprts</a:t>
+              <a:t>Sci/Tech, Sports</a:t>
             </a:r>
             <a:br>
               <a:rPr lang="en-US" altLang="zh-CN"/>
@@ -3677,7 +3685,29 @@
               <a:rPr lang="en-US" altLang="zh-CN"/>
               <a:t>Business, World</a:t>
             </a:r>
-            <a:endParaRPr lang="zh-CN" altLang="en-US"/>
+            <a:endParaRPr lang="en-US" altLang="zh-CN"/>
+          </a:p>
+          <a:p>
+            <a:pPr marL="742950" lvl="1" indent="-285750">
+              <a:buFont typeface="Arial" panose="020B0604020202020204" pitchFamily="34" charset="0"/>
+              <a:buChar char="•"/>
+            </a:pPr>
+            <a:r>
+              <a:rPr lang="zh-CN" altLang="en-US"/>
+              <a:t>Training set </a:t>
+            </a:r>
+            <a:r>
+              <a:rPr lang="en-US" altLang="zh-CN"/>
+              <a:t>120,000</a:t>
+            </a:r>
+            <a:br>
+              <a:rPr lang="en-US" altLang="zh-CN"/>
+            </a:br>
+            <a:r>
+              <a:rPr lang="en-US" altLang="zh-CN"/>
+              <a:t>Validation set 7,600</a:t>
+            </a:r>
+            <a:endParaRPr lang="en-US" altLang="zh-CN"/>
           </a:p>
           <a:p>
             <a:pPr marL="742950" lvl="1" indent="-285750">
@@ -3704,7 +3734,7 @@
         </p:blipFill>
         <p:spPr>
           <a:xfrm>
-            <a:off x="3544570" y="1554480"/>
+            <a:off x="3615055" y="1735455"/>
             <a:ext cx="3719830" cy="2094865"/>
           </a:xfrm>
           <a:prstGeom prst="rect">
@@ -3824,7 +3854,7 @@
         </p:blipFill>
         <p:spPr>
           <a:xfrm>
-            <a:off x="3545205" y="4156710"/>
+            <a:off x="3615690" y="4272915"/>
             <a:ext cx="3719195" cy="2030095"/>
           </a:xfrm>
           <a:prstGeom prst="rect">
@@ -4739,7 +4769,7 @@
             </a:r>
             <a:r>
               <a:rPr lang="zh-CN" altLang="en-US"/>
-              <a:t>https://github.com/YaoXinZhi/--Bi-LSTM-Attention</a:t>
+              <a:t>https://github.com/YaoXinZhi/Bi-LSTM-Attention</a:t>
             </a:r>
             <a:endParaRPr lang="zh-CN" altLang="en-US"/>
           </a:p>
@@ -4850,48 +4880,48 @@
             <a:endParaRPr lang="zh-CN" altLang="en-US" sz="2400"/>
           </a:p>
           <a:p>
-            <a:pPr indent="0">
+            <a:pPr lvl="1" indent="0">
               <a:buNone/>
             </a:pPr>
             <a:endParaRPr lang="zh-CN" altLang="en-US" sz="2400"/>
           </a:p>
           <a:p>
-            <a:pPr marL="285750" indent="-285750">
+            <a:pPr marL="742950" lvl="1" indent="-285750">
               <a:buFont typeface="Arial" panose="020B0604020202020204" pitchFamily="34" charset="0"/>
               <a:buChar char="•"/>
             </a:pPr>
             <a:r>
               <a:rPr lang="zh-CN" altLang="en-US" sz="2400"/>
-              <a:t>背景</a:t>
+              <a:t>项目背景</a:t>
             </a:r>
             <a:endParaRPr lang="zh-CN" altLang="en-US" sz="2400"/>
           </a:p>
           <a:p>
-            <a:pPr indent="0">
+            <a:pPr lvl="1" indent="0">
               <a:buNone/>
             </a:pPr>
             <a:endParaRPr lang="zh-CN" altLang="en-US" sz="2400"/>
           </a:p>
           <a:p>
-            <a:pPr marL="285750" indent="-285750">
+            <a:pPr marL="742950" lvl="1" indent="-285750">
               <a:buFont typeface="Arial" panose="020B0604020202020204" pitchFamily="34" charset="0"/>
               <a:buChar char="•"/>
             </a:pPr>
             <a:r>
               <a:rPr lang="zh-CN" altLang="en-US" sz="2400"/>
-              <a:t>模型</a:t>
+              <a:t>模型介绍</a:t>
             </a:r>
             <a:endParaRPr lang="zh-CN" altLang="en-US" sz="2400"/>
           </a:p>
           <a:p>
-            <a:pPr marL="285750" indent="-285750">
+            <a:pPr marL="742950" lvl="1" indent="-285750">
               <a:buFont typeface="Arial" panose="020B0604020202020204" pitchFamily="34" charset="0"/>
               <a:buChar char="•"/>
             </a:pPr>
             <a:endParaRPr lang="zh-CN" altLang="en-US" sz="2400"/>
           </a:p>
           <a:p>
-            <a:pPr marL="285750" indent="-285750">
+            <a:pPr marL="742950" lvl="1" indent="-285750">
               <a:buFont typeface="Arial" panose="020B0604020202020204" pitchFamily="34" charset="0"/>
               <a:buChar char="•"/>
             </a:pPr>
@@ -4902,14 +4932,14 @@
             <a:endParaRPr lang="zh-CN" altLang="en-US" sz="2400"/>
           </a:p>
           <a:p>
-            <a:pPr marL="285750" indent="-285750">
+            <a:pPr marL="742950" lvl="1" indent="-285750">
               <a:buFont typeface="Arial" panose="020B0604020202020204" pitchFamily="34" charset="0"/>
               <a:buChar char="•"/>
             </a:pPr>
             <a:endParaRPr lang="zh-CN" altLang="en-US" sz="2400"/>
           </a:p>
           <a:p>
-            <a:pPr marL="285750" indent="-285750" algn="l">
+            <a:pPr marL="742950" lvl="1" indent="-285750" algn="l">
               <a:buFont typeface="Arial" panose="020B0604020202020204" pitchFamily="34" charset="0"/>
               <a:buChar char="•"/>
             </a:pPr>
@@ -4948,7 +4978,7 @@
         <p:spPr>
           <a:xfrm>
             <a:off x="192405" y="1361440"/>
-            <a:ext cx="11684000" cy="3907790"/>
+            <a:ext cx="11684000" cy="4276725"/>
           </a:xfrm>
           <a:prstGeom prst="rect">
             <a:avLst/>
@@ -4995,7 +5025,7 @@
             </a:r>
             <a:r>
               <a:rPr lang="zh-CN" altLang="en-US" sz="2400"/>
-              <a:t>一类基于人工特征的关系分类方法，比较依赖通过例如依存树解析器，命名实体识别等方法提供的高级特征。</a:t>
+              <a:t>用于关系分类的方法一般基于两套思路。</a:t>
             </a:r>
             <a:endParaRPr lang="zh-CN" altLang="en-US" sz="2400"/>
           </a:p>
@@ -5006,7 +5036,18 @@
             </a:r>
             <a:r>
               <a:rPr lang="zh-CN" altLang="en-US" sz="2400"/>
-              <a:t>另一类基于利用神经网络自动提取特征的方面需要解决两个问题。一个是句子上下文的长距离信息。一方面是句子对分类结果有重要影响的单词存在于句子中不同位置。</a:t>
+              <a:t>一类基于人工特征的关系分类方法，比较依赖通过例如依存树解析器，命名实体识别等方法提供的高级特征。</a:t>
+            </a:r>
+            <a:endParaRPr lang="zh-CN" altLang="en-US" sz="2400"/>
+          </a:p>
+          <a:p>
+            <a:r>
+              <a:rPr lang="en-US" altLang="zh-CN" sz="2400"/>
+              <a:t>	</a:t>
+            </a:r>
+            <a:r>
+              <a:rPr lang="zh-CN" altLang="en-US" sz="2400"/>
+              <a:t>另一类基于利用神经网络自动提取特征的方面需要解决两个问题。一个是句子上下文的远距离信息难以学习。一方面是句子对分类结果有重要影响的单词存在于句子中不同位置。</a:t>
             </a:r>
             <a:endParaRPr lang="zh-CN" altLang="en-US" sz="2400"/>
           </a:p>
@@ -5073,7 +5114,7 @@
         <p:spPr>
           <a:xfrm>
             <a:off x="238760" y="1400175"/>
-            <a:ext cx="6342380" cy="3784600"/>
+            <a:ext cx="6342380" cy="3846195"/>
           </a:xfrm>
           <a:prstGeom prst="rect">
             <a:avLst/>
@@ -5086,10 +5127,10 @@
           </a:bodyPr>
           <a:p>
             <a:r>
-              <a:rPr lang="zh-CN" altLang="en-US" sz="2400"/>
+              <a:rPr lang="zh-CN" altLang="en-US" sz="2800"/>
               <a:t>模型：</a:t>
             </a:r>
-            <a:endParaRPr lang="zh-CN" altLang="en-US" sz="2400"/>
+            <a:endParaRPr lang="zh-CN" altLang="en-US" sz="2800"/>
           </a:p>
           <a:p>
             <a:endParaRPr lang="zh-CN" altLang="en-US"/>
@@ -5101,7 +5142,7 @@
             </a:pPr>
             <a:r>
               <a:rPr lang="en-US" altLang="zh-CN"/>
-              <a:t>Word Embedding</a:t>
+              <a:t>Embedding Layer</a:t>
             </a:r>
             <a:endParaRPr lang="zh-CN" altLang="en-US"/>
           </a:p>
@@ -5122,7 +5163,7 @@
             </a:pPr>
             <a:r>
               <a:rPr lang="en-US" altLang="zh-CN"/>
-              <a:t>Bi-LSTM</a:t>
+              <a:t>Bi-LSTM Layer</a:t>
             </a:r>
             <a:endParaRPr lang="zh-CN" altLang="en-US"/>
           </a:p>
@@ -5147,7 +5188,7 @@
             </a:pPr>
             <a:r>
               <a:rPr lang="en-US" altLang="zh-CN"/>
-              <a:t>Attention</a:t>
+              <a:t>Attention Layer</a:t>
             </a:r>
             <a:endParaRPr lang="zh-CN" altLang="en-US"/>
           </a:p>
@@ -5172,7 +5213,7 @@
             </a:pPr>
             <a:r>
               <a:rPr lang="en-US" altLang="zh-CN"/>
-              <a:t>Softmax</a:t>
+              <a:t>Softmax Layer</a:t>
             </a:r>
             <a:endParaRPr lang="zh-CN" altLang="en-US"/>
           </a:p>
@@ -5279,7 +5320,7 @@
           <a:p>
             <a:r>
               <a:rPr lang="en-US" altLang="zh-CN" sz="2800"/>
-              <a:t>Word Embedding</a:t>
+              <a:t>Embedding Layer</a:t>
             </a:r>
             <a:endParaRPr lang="en-US" altLang="zh-CN" sz="2800"/>
           </a:p>
@@ -5362,8 +5403,8 @@
         </p:blipFill>
         <p:spPr>
           <a:xfrm>
-            <a:off x="8806180" y="1675130"/>
-            <a:ext cx="2594610" cy="2011045"/>
+            <a:off x="8540115" y="1965325"/>
+            <a:ext cx="2860675" cy="2217420"/>
           </a:xfrm>
           <a:prstGeom prst="rect">
             <a:avLst/>
@@ -5386,8 +5427,8 @@
         </p:blipFill>
         <p:spPr>
           <a:xfrm>
-            <a:off x="5272405" y="1536065"/>
-            <a:ext cx="2919095" cy="1993265"/>
+            <a:off x="5120005" y="1847215"/>
+            <a:ext cx="3420110" cy="2335530"/>
           </a:xfrm>
           <a:prstGeom prst="rect">
             <a:avLst/>
@@ -5410,8 +5451,8 @@
         </p:blipFill>
         <p:spPr>
           <a:xfrm>
-            <a:off x="4482465" y="4895215"/>
-            <a:ext cx="6918325" cy="1068705"/>
+            <a:off x="4760595" y="4933315"/>
+            <a:ext cx="7164070" cy="1106805"/>
           </a:xfrm>
           <a:prstGeom prst="rect">
             <a:avLst/>
